--- a/BackEnd/02_REST_servisi/BackEnd_02_REST_servisi.pptx
+++ b/BackEnd/02_REST_servisi/BackEnd_02_REST_servisi.pptx
@@ -330,7 +330,7 @@
             <a:fld id="{1D8BD707-D9CF-40AE-B4C6-C98DA3205C09}" type="datetimeFigureOut">
               <a:rPr lang="en-US" smtClean="0"/>
               <a:pPr/>
-              <a:t>4/13/2016</a:t>
+              <a:t>11/8/2016</a:t>
             </a:fld>
             <a:endParaRPr lang="en-US"/>
           </a:p>
@@ -497,7 +497,7 @@
             <a:fld id="{1D8BD707-D9CF-40AE-B4C6-C98DA3205C09}" type="datetimeFigureOut">
               <a:rPr lang="en-US" smtClean="0"/>
               <a:pPr/>
-              <a:t>4/13/2016</a:t>
+              <a:t>11/8/2016</a:t>
             </a:fld>
             <a:endParaRPr lang="en-US"/>
           </a:p>
@@ -674,7 +674,7 @@
             <a:fld id="{1D8BD707-D9CF-40AE-B4C6-C98DA3205C09}" type="datetimeFigureOut">
               <a:rPr lang="en-US" smtClean="0"/>
               <a:pPr/>
-              <a:t>4/13/2016</a:t>
+              <a:t>11/8/2016</a:t>
             </a:fld>
             <a:endParaRPr lang="en-US"/>
           </a:p>
@@ -841,7 +841,7 @@
             <a:fld id="{1D8BD707-D9CF-40AE-B4C6-C98DA3205C09}" type="datetimeFigureOut">
               <a:rPr lang="en-US" smtClean="0"/>
               <a:pPr/>
-              <a:t>4/13/2016</a:t>
+              <a:t>11/8/2016</a:t>
             </a:fld>
             <a:endParaRPr lang="en-US"/>
           </a:p>
@@ -1084,7 +1084,7 @@
             <a:fld id="{1D8BD707-D9CF-40AE-B4C6-C98DA3205C09}" type="datetimeFigureOut">
               <a:rPr lang="en-US" smtClean="0"/>
               <a:pPr/>
-              <a:t>4/13/2016</a:t>
+              <a:t>11/8/2016</a:t>
             </a:fld>
             <a:endParaRPr lang="en-US"/>
           </a:p>
@@ -1369,7 +1369,7 @@
             <a:fld id="{1D8BD707-D9CF-40AE-B4C6-C98DA3205C09}" type="datetimeFigureOut">
               <a:rPr lang="en-US" smtClean="0"/>
               <a:pPr/>
-              <a:t>4/13/2016</a:t>
+              <a:t>11/8/2016</a:t>
             </a:fld>
             <a:endParaRPr lang="en-US"/>
           </a:p>
@@ -1788,7 +1788,7 @@
             <a:fld id="{1D8BD707-D9CF-40AE-B4C6-C98DA3205C09}" type="datetimeFigureOut">
               <a:rPr lang="en-US" smtClean="0"/>
               <a:pPr/>
-              <a:t>4/13/2016</a:t>
+              <a:t>11/8/2016</a:t>
             </a:fld>
             <a:endParaRPr lang="en-US"/>
           </a:p>
@@ -1903,7 +1903,7 @@
             <a:fld id="{1D8BD707-D9CF-40AE-B4C6-C98DA3205C09}" type="datetimeFigureOut">
               <a:rPr lang="en-US" smtClean="0"/>
               <a:pPr/>
-              <a:t>4/13/2016</a:t>
+              <a:t>11/8/2016</a:t>
             </a:fld>
             <a:endParaRPr lang="en-US"/>
           </a:p>
@@ -1995,7 +1995,7 @@
             <a:fld id="{1D8BD707-D9CF-40AE-B4C6-C98DA3205C09}" type="datetimeFigureOut">
               <a:rPr lang="en-US" smtClean="0"/>
               <a:pPr/>
-              <a:t>4/13/2016</a:t>
+              <a:t>11/8/2016</a:t>
             </a:fld>
             <a:endParaRPr lang="en-US"/>
           </a:p>
@@ -2269,7 +2269,7 @@
             <a:fld id="{1D8BD707-D9CF-40AE-B4C6-C98DA3205C09}" type="datetimeFigureOut">
               <a:rPr lang="en-US" smtClean="0"/>
               <a:pPr/>
-              <a:t>4/13/2016</a:t>
+              <a:t>11/8/2016</a:t>
             </a:fld>
             <a:endParaRPr lang="en-US"/>
           </a:p>
@@ -2519,7 +2519,7 @@
             <a:fld id="{1D8BD707-D9CF-40AE-B4C6-C98DA3205C09}" type="datetimeFigureOut">
               <a:rPr lang="en-US" smtClean="0"/>
               <a:pPr/>
-              <a:t>4/13/2016</a:t>
+              <a:t>11/8/2016</a:t>
             </a:fld>
             <a:endParaRPr lang="en-US"/>
           </a:p>
@@ -2729,7 +2729,7 @@
             <a:fld id="{1D8BD707-D9CF-40AE-B4C6-C98DA3205C09}" type="datetimeFigureOut">
               <a:rPr lang="en-US" smtClean="0"/>
               <a:pPr/>
-              <a:t>4/13/2016</a:t>
+              <a:t>11/8/2016</a:t>
             </a:fld>
             <a:endParaRPr lang="en-US"/>
           </a:p>
@@ -9675,7 +9675,31 @@
           <a:p>
             <a:r>
               <a:rPr lang="sr-Latn-RS" dirty="0" smtClean="0"/>
-              <a:t>Najpopularniji NoSQL DBMS, od jula 2015. četvrta po popularnosti DBMS </a:t>
+              <a:t>Najpopularniji NoSQL DBMS, od jula </a:t>
+            </a:r>
+            <a:r>
+              <a:rPr lang="sr-Latn-RS" dirty="0" smtClean="0"/>
+              <a:t>201</a:t>
+            </a:r>
+            <a:r>
+              <a:rPr lang="en-GB" smtClean="0"/>
+              <a:t>6</a:t>
+            </a:r>
+            <a:r>
+              <a:rPr lang="sr-Latn-RS" smtClean="0"/>
+              <a:t>. </a:t>
+            </a:r>
+            <a:r>
+              <a:rPr lang="en-GB" dirty="0" err="1" smtClean="0"/>
+              <a:t>peta</a:t>
+            </a:r>
+            <a:r>
+              <a:rPr lang="en-GB" dirty="0" smtClean="0"/>
+              <a:t> </a:t>
+            </a:r>
+            <a:r>
+              <a:rPr lang="sr-Latn-RS" dirty="0" smtClean="0"/>
+              <a:t>po popularnosti DBMS </a:t>
             </a:r>
             <a:r>
               <a:rPr lang="sr-Latn-RS" dirty="0"/>
@@ -9691,11 +9715,39 @@
             </a:r>
             <a:r>
               <a:rPr lang="sr-Latn-RS" dirty="0" smtClean="0"/>
-              <a:t>MySQL </a:t>
+              <a:t>MySQL</a:t>
+            </a:r>
+            <a:r>
+              <a:rPr lang="en-GB" dirty="0" smtClean="0"/>
+              <a:t>,</a:t>
+            </a:r>
+            <a:r>
+              <a:rPr lang="sr-Latn-RS" dirty="0" smtClean="0"/>
+              <a:t> </a:t>
             </a:r>
             <a:r>
               <a:rPr lang="sr-Latn-RS" dirty="0"/>
-              <a:t>i Microsoft SQL Server</a:t>
+              <a:t>Microsoft SQL </a:t>
+            </a:r>
+            <a:r>
+              <a:rPr lang="sr-Latn-RS" dirty="0" smtClean="0"/>
+              <a:t>Server</a:t>
+            </a:r>
+            <a:r>
+              <a:rPr lang="en-GB" dirty="0" smtClean="0"/>
+              <a:t> </a:t>
+            </a:r>
+            <a:r>
+              <a:rPr lang="en-GB" dirty="0" err="1" smtClean="0"/>
+              <a:t>i</a:t>
+            </a:r>
+            <a:r>
+              <a:rPr lang="en-GB" dirty="0" smtClean="0"/>
+              <a:t> </a:t>
+            </a:r>
+            <a:r>
+              <a:rPr lang="en-GB" dirty="0" err="1" smtClean="0"/>
+              <a:t>PostrgreSQL</a:t>
             </a:r>
             <a:r>
               <a:rPr lang="sr-Latn-RS" dirty="0" smtClean="0"/>
